--- a/Resources.pptx
+++ b/Resources.pptx
@@ -293,7 +293,8 @@
           <a:p>
             <a:fld id="{67A86D6B-768C-3E4B-B886-A203BBDC8567}" type="datetimeFigureOut">
               <a:rPr lang="en-US" smtClean="0"/>
-              <a:t>9/27/16</a:t>
+              <a:pPr/>
+              <a:t>9/29/16</a:t>
             </a:fld>
             <a:endParaRPr lang="en-US"/>
           </a:p>
@@ -335,6 +336,7 @@
           <a:p>
             <a:fld id="{904C17CD-9272-E843-AC2E-B305DFA1E925}" type="slidenum">
               <a:rPr lang="en-US" smtClean="0"/>
+              <a:pPr/>
               <a:t>‹#›</a:t>
             </a:fld>
             <a:endParaRPr lang="en-US"/>
@@ -458,7 +460,8 @@
           <a:p>
             <a:fld id="{67A86D6B-768C-3E4B-B886-A203BBDC8567}" type="datetimeFigureOut">
               <a:rPr lang="en-US" smtClean="0"/>
-              <a:t>9/27/16</a:t>
+              <a:pPr/>
+              <a:t>9/29/16</a:t>
             </a:fld>
             <a:endParaRPr lang="en-US"/>
           </a:p>
@@ -500,6 +503,7 @@
           <a:p>
             <a:fld id="{904C17CD-9272-E843-AC2E-B305DFA1E925}" type="slidenum">
               <a:rPr lang="en-US" smtClean="0"/>
+              <a:pPr/>
               <a:t>‹#›</a:t>
             </a:fld>
             <a:endParaRPr lang="en-US"/>
@@ -633,7 +637,8 @@
           <a:p>
             <a:fld id="{67A86D6B-768C-3E4B-B886-A203BBDC8567}" type="datetimeFigureOut">
               <a:rPr lang="en-US" smtClean="0"/>
-              <a:t>9/27/16</a:t>
+              <a:pPr/>
+              <a:t>9/29/16</a:t>
             </a:fld>
             <a:endParaRPr lang="en-US"/>
           </a:p>
@@ -675,6 +680,7 @@
           <a:p>
             <a:fld id="{904C17CD-9272-E843-AC2E-B305DFA1E925}" type="slidenum">
               <a:rPr lang="en-US" smtClean="0"/>
+              <a:pPr/>
               <a:t>‹#›</a:t>
             </a:fld>
             <a:endParaRPr lang="en-US"/>
@@ -798,7 +804,8 @@
           <a:p>
             <a:fld id="{67A86D6B-768C-3E4B-B886-A203BBDC8567}" type="datetimeFigureOut">
               <a:rPr lang="en-US" smtClean="0"/>
-              <a:t>9/27/16</a:t>
+              <a:pPr/>
+              <a:t>9/29/16</a:t>
             </a:fld>
             <a:endParaRPr lang="en-US"/>
           </a:p>
@@ -840,6 +847,7 @@
           <a:p>
             <a:fld id="{904C17CD-9272-E843-AC2E-B305DFA1E925}" type="slidenum">
               <a:rPr lang="en-US" smtClean="0"/>
+              <a:pPr/>
               <a:t>‹#›</a:t>
             </a:fld>
             <a:endParaRPr lang="en-US"/>
@@ -1039,7 +1047,8 @@
           <a:p>
             <a:fld id="{67A86D6B-768C-3E4B-B886-A203BBDC8567}" type="datetimeFigureOut">
               <a:rPr lang="en-US" smtClean="0"/>
-              <a:t>9/27/16</a:t>
+              <a:pPr/>
+              <a:t>9/29/16</a:t>
             </a:fld>
             <a:endParaRPr lang="en-US"/>
           </a:p>
@@ -1081,6 +1090,7 @@
           <a:p>
             <a:fld id="{904C17CD-9272-E843-AC2E-B305DFA1E925}" type="slidenum">
               <a:rPr lang="en-US" smtClean="0"/>
+              <a:pPr/>
               <a:t>‹#›</a:t>
             </a:fld>
             <a:endParaRPr lang="en-US"/>
@@ -1322,7 +1332,8 @@
           <a:p>
             <a:fld id="{67A86D6B-768C-3E4B-B886-A203BBDC8567}" type="datetimeFigureOut">
               <a:rPr lang="en-US" smtClean="0"/>
-              <a:t>9/27/16</a:t>
+              <a:pPr/>
+              <a:t>9/29/16</a:t>
             </a:fld>
             <a:endParaRPr lang="en-US"/>
           </a:p>
@@ -1364,6 +1375,7 @@
           <a:p>
             <a:fld id="{904C17CD-9272-E843-AC2E-B305DFA1E925}" type="slidenum">
               <a:rPr lang="en-US" smtClean="0"/>
+              <a:pPr/>
               <a:t>‹#›</a:t>
             </a:fld>
             <a:endParaRPr lang="en-US"/>
@@ -1739,7 +1751,8 @@
           <a:p>
             <a:fld id="{67A86D6B-768C-3E4B-B886-A203BBDC8567}" type="datetimeFigureOut">
               <a:rPr lang="en-US" smtClean="0"/>
-              <a:t>9/27/16</a:t>
+              <a:pPr/>
+              <a:t>9/29/16</a:t>
             </a:fld>
             <a:endParaRPr lang="en-US"/>
           </a:p>
@@ -1781,6 +1794,7 @@
           <a:p>
             <a:fld id="{904C17CD-9272-E843-AC2E-B305DFA1E925}" type="slidenum">
               <a:rPr lang="en-US" smtClean="0"/>
+              <a:pPr/>
               <a:t>‹#›</a:t>
             </a:fld>
             <a:endParaRPr lang="en-US"/>
@@ -1852,7 +1866,8 @@
           <a:p>
             <a:fld id="{67A86D6B-768C-3E4B-B886-A203BBDC8567}" type="datetimeFigureOut">
               <a:rPr lang="en-US" smtClean="0"/>
-              <a:t>9/27/16</a:t>
+              <a:pPr/>
+              <a:t>9/29/16</a:t>
             </a:fld>
             <a:endParaRPr lang="en-US"/>
           </a:p>
@@ -1894,6 +1909,7 @@
           <a:p>
             <a:fld id="{904C17CD-9272-E843-AC2E-B305DFA1E925}" type="slidenum">
               <a:rPr lang="en-US" smtClean="0"/>
+              <a:pPr/>
               <a:t>‹#›</a:t>
             </a:fld>
             <a:endParaRPr lang="en-US"/>
@@ -1942,7 +1958,8 @@
           <a:p>
             <a:fld id="{67A86D6B-768C-3E4B-B886-A203BBDC8567}" type="datetimeFigureOut">
               <a:rPr lang="en-US" smtClean="0"/>
-              <a:t>9/27/16</a:t>
+              <a:pPr/>
+              <a:t>9/29/16</a:t>
             </a:fld>
             <a:endParaRPr lang="en-US"/>
           </a:p>
@@ -1984,6 +2001,7 @@
           <a:p>
             <a:fld id="{904C17CD-9272-E843-AC2E-B305DFA1E925}" type="slidenum">
               <a:rPr lang="en-US" smtClean="0"/>
+              <a:pPr/>
               <a:t>‹#›</a:t>
             </a:fld>
             <a:endParaRPr lang="en-US"/>
@@ -2214,7 +2232,8 @@
           <a:p>
             <a:fld id="{67A86D6B-768C-3E4B-B886-A203BBDC8567}" type="datetimeFigureOut">
               <a:rPr lang="en-US" smtClean="0"/>
-              <a:t>9/27/16</a:t>
+              <a:pPr/>
+              <a:t>9/29/16</a:t>
             </a:fld>
             <a:endParaRPr lang="en-US"/>
           </a:p>
@@ -2256,6 +2275,7 @@
           <a:p>
             <a:fld id="{904C17CD-9272-E843-AC2E-B305DFA1E925}" type="slidenum">
               <a:rPr lang="en-US" smtClean="0"/>
+              <a:pPr/>
               <a:t>‹#›</a:t>
             </a:fld>
             <a:endParaRPr lang="en-US"/>
@@ -2462,7 +2482,8 @@
           <a:p>
             <a:fld id="{67A86D6B-768C-3E4B-B886-A203BBDC8567}" type="datetimeFigureOut">
               <a:rPr lang="en-US" smtClean="0"/>
-              <a:t>9/27/16</a:t>
+              <a:pPr/>
+              <a:t>9/29/16</a:t>
             </a:fld>
             <a:endParaRPr lang="en-US"/>
           </a:p>
@@ -2504,6 +2525,7 @@
           <a:p>
             <a:fld id="{904C17CD-9272-E843-AC2E-B305DFA1E925}" type="slidenum">
               <a:rPr lang="en-US" smtClean="0"/>
+              <a:pPr/>
               <a:t>‹#›</a:t>
             </a:fld>
             <a:endParaRPr lang="en-US"/>
@@ -2670,7 +2692,8 @@
           <a:p>
             <a:fld id="{67A86D6B-768C-3E4B-B886-A203BBDC8567}" type="datetimeFigureOut">
               <a:rPr lang="en-US" smtClean="0"/>
-              <a:t>9/27/16</a:t>
+              <a:pPr/>
+              <a:t>9/29/16</a:t>
             </a:fld>
             <a:endParaRPr lang="en-US"/>
           </a:p>
@@ -2748,6 +2771,7 @@
           <a:p>
             <a:fld id="{904C17CD-9272-E843-AC2E-B305DFA1E925}" type="slidenum">
               <a:rPr lang="en-US" smtClean="0"/>
+              <a:pPr/>
               <a:t>‹#›</a:t>
             </a:fld>
             <a:endParaRPr lang="en-US"/>
@@ -3184,7 +3208,6 @@
               <a:rPr lang="en-US" dirty="0" smtClean="0"/>
               <a:t>    </a:t>
             </a:r>
-            <a:endParaRPr lang="en-US" dirty="0" smtClean="0"/>
           </a:p>
           <a:p>
             <a:endParaRPr lang="en-US" dirty="0" smtClean="0"/>
@@ -3382,7 +3405,6 @@
               <a:rPr lang="en-US" dirty="0" smtClean="0"/>
               <a:t>    </a:t>
             </a:r>
-            <a:endParaRPr lang="en-US" dirty="0" smtClean="0"/>
           </a:p>
           <a:p>
             <a:endParaRPr lang="en-US" dirty="0" smtClean="0"/>
@@ -3571,7 +3593,6 @@
               <a:rPr lang="en-US" dirty="0" smtClean="0"/>
               <a:t>    </a:t>
             </a:r>
-            <a:endParaRPr lang="en-US" dirty="0" smtClean="0"/>
           </a:p>
           <a:p>
             <a:endParaRPr lang="en-US" dirty="0" smtClean="0"/>
@@ -3784,7 +3805,6 @@
               <a:rPr lang="en-US" dirty="0" smtClean="0"/>
               <a:t>    </a:t>
             </a:r>
-            <a:endParaRPr lang="en-US" dirty="0" smtClean="0"/>
           </a:p>
           <a:p>
             <a:endParaRPr lang="en-US" dirty="0" smtClean="0"/>
@@ -3962,6 +3982,7 @@
               <a:rPr lang="en-US" dirty="0" smtClean="0"/>
               <a:t>     </a:t>
             </a:r>
+            <a:endParaRPr lang="en-US" dirty="0" smtClean="0"/>
           </a:p>
           <a:p>
             <a:pPr>
@@ -3970,7 +3991,7 @@
             </a:pPr>
             <a:r>
               <a:rPr lang="en-US" dirty="0" smtClean="0"/>
-              <a:t> More </a:t>
+              <a:t>  </a:t>
             </a:r>
             <a:r>
               <a:rPr lang="en-US" dirty="0" err="1" smtClean="0"/>
@@ -3978,26 +3999,40 @@
             </a:r>
             <a:r>
               <a:rPr lang="en-US" dirty="0" smtClean="0"/>
-              <a:t> Tutorials - </a:t>
-            </a:r>
-          </a:p>
-          <a:p>
-            <a:r>
-              <a:rPr lang="en-US" dirty="0" smtClean="0"/>
-              <a:t>     https://</a:t>
+              <a:t> In</a:t>
+            </a:r>
+            <a:r>
+              <a:rPr lang="en-US" dirty="0" smtClean="0"/>
+              <a:t>staller </a:t>
+            </a:r>
+            <a:r>
+              <a:rPr lang="en-US" dirty="0" smtClean="0"/>
+              <a:t>- </a:t>
+            </a:r>
+          </a:p>
+          <a:p>
+            <a:r>
+              <a:rPr lang="en-US" dirty="0" smtClean="0"/>
+              <a:t>    </a:t>
+            </a:r>
+            <a:r>
+              <a:rPr lang="en-US" dirty="0" smtClean="0"/>
+              <a:t> https://</a:t>
             </a:r>
             <a:r>
               <a:rPr lang="en-US" dirty="0" err="1" smtClean="0"/>
-              <a:t>www.arduino.cc/en/Tutorial/HomePage</a:t>
-            </a:r>
-            <a:endParaRPr lang="en-US" dirty="0" smtClean="0"/>
+              <a:t>www.arduino.cc</a:t>
+            </a:r>
+            <a:r>
+              <a:rPr lang="en-US" smtClean="0"/>
+              <a:t>/en/Main/Software</a:t>
+            </a:r>
           </a:p>
           <a:p>
             <a:r>
               <a:rPr lang="en-US" dirty="0" smtClean="0"/>
               <a:t>    </a:t>
             </a:r>
-            <a:endParaRPr lang="en-US" dirty="0" smtClean="0"/>
           </a:p>
           <a:p>
             <a:endParaRPr lang="en-US" dirty="0" smtClean="0"/>
@@ -4119,11 +4154,7 @@
           <a:p>
             <a:r>
               <a:rPr lang="en-US" dirty="0" smtClean="0"/>
-              <a:t>   </a:t>
-            </a:r>
-            <a:r>
-              <a:rPr lang="en-US" dirty="0" smtClean="0"/>
-              <a:t> </a:t>
+              <a:t>    </a:t>
             </a:r>
             <a:r>
               <a:rPr lang="en-US" dirty="0" smtClean="0">
@@ -4217,7 +4248,6 @@
               <a:rPr lang="en-US" dirty="0" smtClean="0"/>
               <a:t>    </a:t>
             </a:r>
-            <a:endParaRPr lang="en-US" dirty="0" smtClean="0"/>
           </a:p>
           <a:p>
             <a:endParaRPr lang="en-US" dirty="0" smtClean="0"/>

--- a/Resources.pptx
+++ b/Resources.pptx
@@ -294,7 +294,7 @@
             <a:fld id="{67A86D6B-768C-3E4B-B886-A203BBDC8567}" type="datetimeFigureOut">
               <a:rPr lang="en-US" smtClean="0"/>
               <a:pPr/>
-              <a:t>9/29/16</a:t>
+              <a:t>10/5/16</a:t>
             </a:fld>
             <a:endParaRPr lang="en-US"/>
           </a:p>
@@ -461,7 +461,7 @@
             <a:fld id="{67A86D6B-768C-3E4B-B886-A203BBDC8567}" type="datetimeFigureOut">
               <a:rPr lang="en-US" smtClean="0"/>
               <a:pPr/>
-              <a:t>9/29/16</a:t>
+              <a:t>10/5/16</a:t>
             </a:fld>
             <a:endParaRPr lang="en-US"/>
           </a:p>
@@ -638,7 +638,7 @@
             <a:fld id="{67A86D6B-768C-3E4B-B886-A203BBDC8567}" type="datetimeFigureOut">
               <a:rPr lang="en-US" smtClean="0"/>
               <a:pPr/>
-              <a:t>9/29/16</a:t>
+              <a:t>10/5/16</a:t>
             </a:fld>
             <a:endParaRPr lang="en-US"/>
           </a:p>
@@ -805,7 +805,7 @@
             <a:fld id="{67A86D6B-768C-3E4B-B886-A203BBDC8567}" type="datetimeFigureOut">
               <a:rPr lang="en-US" smtClean="0"/>
               <a:pPr/>
-              <a:t>9/29/16</a:t>
+              <a:t>10/5/16</a:t>
             </a:fld>
             <a:endParaRPr lang="en-US"/>
           </a:p>
@@ -1048,7 +1048,7 @@
             <a:fld id="{67A86D6B-768C-3E4B-B886-A203BBDC8567}" type="datetimeFigureOut">
               <a:rPr lang="en-US" smtClean="0"/>
               <a:pPr/>
-              <a:t>9/29/16</a:t>
+              <a:t>10/5/16</a:t>
             </a:fld>
             <a:endParaRPr lang="en-US"/>
           </a:p>
@@ -1333,7 +1333,7 @@
             <a:fld id="{67A86D6B-768C-3E4B-B886-A203BBDC8567}" type="datetimeFigureOut">
               <a:rPr lang="en-US" smtClean="0"/>
               <a:pPr/>
-              <a:t>9/29/16</a:t>
+              <a:t>10/5/16</a:t>
             </a:fld>
             <a:endParaRPr lang="en-US"/>
           </a:p>
@@ -1752,7 +1752,7 @@
             <a:fld id="{67A86D6B-768C-3E4B-B886-A203BBDC8567}" type="datetimeFigureOut">
               <a:rPr lang="en-US" smtClean="0"/>
               <a:pPr/>
-              <a:t>9/29/16</a:t>
+              <a:t>10/5/16</a:t>
             </a:fld>
             <a:endParaRPr lang="en-US"/>
           </a:p>
@@ -1867,7 +1867,7 @@
             <a:fld id="{67A86D6B-768C-3E4B-B886-A203BBDC8567}" type="datetimeFigureOut">
               <a:rPr lang="en-US" smtClean="0"/>
               <a:pPr/>
-              <a:t>9/29/16</a:t>
+              <a:t>10/5/16</a:t>
             </a:fld>
             <a:endParaRPr lang="en-US"/>
           </a:p>
@@ -1959,7 +1959,7 @@
             <a:fld id="{67A86D6B-768C-3E4B-B886-A203BBDC8567}" type="datetimeFigureOut">
               <a:rPr lang="en-US" smtClean="0"/>
               <a:pPr/>
-              <a:t>9/29/16</a:t>
+              <a:t>10/5/16</a:t>
             </a:fld>
             <a:endParaRPr lang="en-US"/>
           </a:p>
@@ -2233,7 +2233,7 @@
             <a:fld id="{67A86D6B-768C-3E4B-B886-A203BBDC8567}" type="datetimeFigureOut">
               <a:rPr lang="en-US" smtClean="0"/>
               <a:pPr/>
-              <a:t>9/29/16</a:t>
+              <a:t>10/5/16</a:t>
             </a:fld>
             <a:endParaRPr lang="en-US"/>
           </a:p>
@@ -2483,7 +2483,7 @@
             <a:fld id="{67A86D6B-768C-3E4B-B886-A203BBDC8567}" type="datetimeFigureOut">
               <a:rPr lang="en-US" smtClean="0"/>
               <a:pPr/>
-              <a:t>9/29/16</a:t>
+              <a:t>10/5/16</a:t>
             </a:fld>
             <a:endParaRPr lang="en-US"/>
           </a:p>
@@ -2693,7 +2693,7 @@
             <a:fld id="{67A86D6B-768C-3E4B-B886-A203BBDC8567}" type="datetimeFigureOut">
               <a:rPr lang="en-US" smtClean="0"/>
               <a:pPr/>
-              <a:t>9/29/16</a:t>
+              <a:t>10/5/16</a:t>
             </a:fld>
             <a:endParaRPr lang="en-US"/>
           </a:p>
@@ -3894,7 +3894,7 @@
         <p:spPr>
           <a:xfrm>
             <a:off x="0" y="1912437"/>
-            <a:ext cx="8943474" cy="3416320"/>
+            <a:ext cx="8943474" cy="3970318"/>
           </a:xfrm>
           <a:prstGeom prst="rect">
             <a:avLst/>
@@ -3982,7 +3982,6 @@
               <a:rPr lang="en-US" dirty="0" smtClean="0"/>
               <a:t>     </a:t>
             </a:r>
-            <a:endParaRPr lang="en-US" dirty="0" smtClean="0"/>
           </a:p>
           <a:p>
             <a:pPr>
@@ -3999,33 +3998,29 @@
             </a:r>
             <a:r>
               <a:rPr lang="en-US" dirty="0" smtClean="0"/>
-              <a:t> In</a:t>
-            </a:r>
-            <a:r>
-              <a:rPr lang="en-US" dirty="0" smtClean="0"/>
-              <a:t>staller </a:t>
-            </a:r>
-            <a:r>
-              <a:rPr lang="en-US" dirty="0" smtClean="0"/>
-              <a:t>- </a:t>
-            </a:r>
-          </a:p>
-          <a:p>
-            <a:r>
-              <a:rPr lang="en-US" dirty="0" smtClean="0"/>
-              <a:t>    </a:t>
-            </a:r>
-            <a:r>
-              <a:rPr lang="en-US" dirty="0" smtClean="0"/>
-              <a:t> https://</a:t>
-            </a:r>
-            <a:r>
-              <a:rPr lang="en-US" dirty="0" err="1" smtClean="0"/>
-              <a:t>www.arduino.cc</a:t>
-            </a:r>
-            <a:r>
-              <a:rPr lang="en-US" smtClean="0"/>
-              <a:t>/en/Main/Software</a:t>
+              <a:t> Installer - </a:t>
+            </a:r>
+          </a:p>
+          <a:p>
+            <a:r>
+              <a:rPr lang="en-US" dirty="0" smtClean="0"/>
+              <a:t>     </a:t>
+            </a:r>
+            <a:r>
+              <a:rPr lang="en-US" dirty="0" smtClean="0">
+                <a:hlinkClick r:id="rId2"/>
+              </a:rPr>
+              <a:t>https://www.arduino.cc/en/Main/Software</a:t>
+            </a:r>
+            <a:endParaRPr lang="en-US" dirty="0" smtClean="0"/>
+          </a:p>
+          <a:p>
+            <a:endParaRPr lang="en-US" dirty="0" smtClean="0"/>
+          </a:p>
+          <a:p>
+            <a:r>
+              <a:rPr lang="en-US" smtClean="0"/>
+              <a:t>test</a:t>
             </a:r>
           </a:p>
           <a:p>
